--- a/Constructor_References_Class_new.pptx
+++ b/Constructor_References_Class_new.pptx
@@ -464,7 +464,7 @@
           <a:p>
             <a:fld id="{5BCAD085-E8A6-8845-BD4E-CB4CCA059FC4}" type="datetimeFigureOut">
               <a:rPr lang="en-US" smtClean="0"/>
-              <a:t>8/11/2025</a:t>
+              <a:t>8/18/2025</a:t>
             </a:fld>
             <a:endParaRPr lang="en-US"/>
           </a:p>
@@ -788,7 +788,7 @@
           <a:p>
             <a:fld id="{5BCAD085-E8A6-8845-BD4E-CB4CCA059FC4}" type="datetimeFigureOut">
               <a:rPr lang="en-US" smtClean="0"/>
-              <a:t>8/11/2025</a:t>
+              <a:t>8/18/2025</a:t>
             </a:fld>
             <a:endParaRPr lang="en-US"/>
           </a:p>
@@ -1036,7 +1036,7 @@
           <a:p>
             <a:fld id="{5BCAD085-E8A6-8845-BD4E-CB4CCA059FC4}" type="datetimeFigureOut">
               <a:rPr lang="en-US" smtClean="0"/>
-              <a:t>8/11/2025</a:t>
+              <a:t>8/18/2025</a:t>
             </a:fld>
             <a:endParaRPr lang="en-US"/>
           </a:p>
@@ -1375,7 +1375,7 @@
           <a:p>
             <a:fld id="{5BCAD085-E8A6-8845-BD4E-CB4CCA059FC4}" type="datetimeFigureOut">
               <a:rPr lang="en-US" smtClean="0"/>
-              <a:t>8/11/2025</a:t>
+              <a:t>8/18/2025</a:t>
             </a:fld>
             <a:endParaRPr lang="en-US"/>
           </a:p>
@@ -1722,7 +1722,7 @@
           <a:p>
             <a:fld id="{5BCAD085-E8A6-8845-BD4E-CB4CCA059FC4}" type="datetimeFigureOut">
               <a:rPr lang="en-US" smtClean="0"/>
-              <a:t>8/11/2025</a:t>
+              <a:t>8/18/2025</a:t>
             </a:fld>
             <a:endParaRPr lang="en-US"/>
           </a:p>
@@ -2096,7 +2096,7 @@
           <a:p>
             <a:fld id="{5BCAD085-E8A6-8845-BD4E-CB4CCA059FC4}" type="datetimeFigureOut">
               <a:rPr lang="en-US" smtClean="0"/>
-              <a:t>8/11/2025</a:t>
+              <a:t>8/18/2025</a:t>
             </a:fld>
             <a:endParaRPr lang="en-US"/>
           </a:p>
@@ -2566,7 +2566,7 @@
           <a:p>
             <a:fld id="{5BCAD085-E8A6-8845-BD4E-CB4CCA059FC4}" type="datetimeFigureOut">
               <a:rPr lang="en-US" smtClean="0"/>
-              <a:t>8/11/2025</a:t>
+              <a:t>8/18/2025</a:t>
             </a:fld>
             <a:endParaRPr lang="en-US"/>
           </a:p>
@@ -2776,7 +2776,7 @@
           <a:p>
             <a:fld id="{5BCAD085-E8A6-8845-BD4E-CB4CCA059FC4}" type="datetimeFigureOut">
               <a:rPr lang="en-US" smtClean="0"/>
-              <a:t>8/11/2025</a:t>
+              <a:t>8/18/2025</a:t>
             </a:fld>
             <a:endParaRPr lang="en-US"/>
           </a:p>
@@ -2987,7 +2987,7 @@
           <a:p>
             <a:fld id="{5BCAD085-E8A6-8845-BD4E-CB4CCA059FC4}" type="datetimeFigureOut">
               <a:rPr lang="en-US" smtClean="0"/>
-              <a:t>8/11/2025</a:t>
+              <a:t>8/18/2025</a:t>
             </a:fld>
             <a:endParaRPr lang="en-US"/>
           </a:p>
@@ -3219,7 +3219,7 @@
           <a:p>
             <a:fld id="{5BCAD085-E8A6-8845-BD4E-CB4CCA059FC4}" type="datetimeFigureOut">
               <a:rPr lang="en-US" smtClean="0"/>
-              <a:t>8/11/2025</a:t>
+              <a:t>8/18/2025</a:t>
             </a:fld>
             <a:endParaRPr lang="en-US"/>
           </a:p>
@@ -3467,7 +3467,7 @@
           <a:p>
             <a:fld id="{5BCAD085-E8A6-8845-BD4E-CB4CCA059FC4}" type="datetimeFigureOut">
               <a:rPr lang="en-US" smtClean="0"/>
-              <a:t>8/11/2025</a:t>
+              <a:t>8/18/2025</a:t>
             </a:fld>
             <a:endParaRPr lang="en-US"/>
           </a:p>
@@ -3770,7 +3770,7 @@
           <a:p>
             <a:fld id="{5BCAD085-E8A6-8845-BD4E-CB4CCA059FC4}" type="datetimeFigureOut">
               <a:rPr lang="en-US" smtClean="0"/>
-              <a:t>8/11/2025</a:t>
+              <a:t>8/18/2025</a:t>
             </a:fld>
             <a:endParaRPr lang="en-US"/>
           </a:p>
@@ -4152,7 +4152,7 @@
           <a:p>
             <a:fld id="{5BCAD085-E8A6-8845-BD4E-CB4CCA059FC4}" type="datetimeFigureOut">
               <a:rPr lang="en-US" smtClean="0"/>
-              <a:t>8/11/2025</a:t>
+              <a:t>8/18/2025</a:t>
             </a:fld>
             <a:endParaRPr lang="en-US"/>
           </a:p>
@@ -4306,7 +4306,7 @@
           <a:p>
             <a:fld id="{5BCAD085-E8A6-8845-BD4E-CB4CCA059FC4}" type="datetimeFigureOut">
               <a:rPr lang="en-US" smtClean="0"/>
-              <a:t>8/11/2025</a:t>
+              <a:t>8/18/2025</a:t>
             </a:fld>
             <a:endParaRPr lang="en-US"/>
           </a:p>
@@ -4432,7 +4432,7 @@
           <a:p>
             <a:fld id="{5BCAD085-E8A6-8845-BD4E-CB4CCA059FC4}" type="datetimeFigureOut">
               <a:rPr lang="en-US" smtClean="0"/>
-              <a:t>8/11/2025</a:t>
+              <a:t>8/18/2025</a:t>
             </a:fld>
             <a:endParaRPr lang="en-US"/>
           </a:p>
@@ -4687,7 +4687,7 @@
           <a:p>
             <a:fld id="{5BCAD085-E8A6-8845-BD4E-CB4CCA059FC4}" type="datetimeFigureOut">
               <a:rPr lang="en-US" smtClean="0"/>
-              <a:t>8/11/2025</a:t>
+              <a:t>8/18/2025</a:t>
             </a:fld>
             <a:endParaRPr lang="en-US"/>
           </a:p>
@@ -5001,7 +5001,7 @@
           <a:p>
             <a:fld id="{5BCAD085-E8A6-8845-BD4E-CB4CCA059FC4}" type="datetimeFigureOut">
               <a:rPr lang="en-US" smtClean="0"/>
-              <a:t>8/11/2025</a:t>
+              <a:t>8/18/2025</a:t>
             </a:fld>
             <a:endParaRPr lang="en-US"/>
           </a:p>
@@ -5352,7 +5352,7 @@
           <a:p>
             <a:fld id="{5BCAD085-E8A6-8845-BD4E-CB4CCA059FC4}" type="datetimeFigureOut">
               <a:rPr lang="en-US" smtClean="0"/>
-              <a:t>8/11/2025</a:t>
+              <a:t>8/18/2025</a:t>
             </a:fld>
             <a:endParaRPr lang="en-US"/>
           </a:p>
@@ -5907,7 +5907,7 @@
         </p:nvSpPr>
         <p:spPr>
           <a:xfrm>
-            <a:off x="1921934" y="2082794"/>
+            <a:off x="1913200" y="2899303"/>
             <a:ext cx="5308866" cy="1515533"/>
           </a:xfrm>
         </p:spPr>
@@ -5917,7 +5917,17 @@
           <a:p>
             <a:r>
               <a:rPr dirty="0"/>
-              <a:t>Constructor References in Java (Class::new)</a:t>
+              <a:t>Constructor References in Java</a:t>
+            </a:r>
+            <a:br>
+              <a:rPr lang="en-US" dirty="0"/>
+            </a:br>
+            <a:br>
+              <a:rPr lang="en-IN" dirty="0"/>
+            </a:br>
+            <a:r>
+              <a:rPr dirty="0"/>
+              <a:t>(Class::new)</a:t>
             </a:r>
           </a:p>
         </p:txBody>
@@ -5939,13 +5949,16 @@
           </a:xfrm>
         </p:spPr>
         <p:txBody>
-          <a:bodyPr/>
-          <a:lstStyle/>
-          <a:p>
-            <a:r>
-              <a:rPr dirty="0"/>
-              <a:t>A concise guide to using Class::new in functional contexts</a:t>
-            </a:r>
+          <a:bodyPr>
+            <a:normAutofit lnSpcReduction="10000"/>
+          </a:bodyPr>
+          <a:lstStyle/>
+          <a:p>
+            <a:pPr algn="r"/>
+            <a:endParaRPr lang="en-US" dirty="0"/>
+          </a:p>
+          <a:p>
+            <a:pPr algn="r"/>
             <a:endParaRPr lang="en-US" dirty="0"/>
           </a:p>
           <a:p>
@@ -6020,16 +6033,19 @@
         </p:nvSpPr>
         <p:spPr/>
         <p:txBody>
-          <a:bodyPr/>
-          <a:lstStyle/>
-          <a:p>
-            <a:endParaRPr/>
+          <a:bodyPr>
+            <a:normAutofit/>
+          </a:bodyPr>
+          <a:lstStyle/>
+          <a:p>
+            <a:endParaRPr sz="3600" dirty="0"/>
           </a:p>
           <a:p>
             <a:pPr>
               <a:defRPr sz="1400"/>
             </a:pPr>
             <a:r>
+              <a:rPr sz="2000" dirty="0"/>
               <a:t>Class::new is syntactic sugar for lambda calling new.</a:t>
             </a:r>
           </a:p>
@@ -6038,6 +6054,7 @@
               <a:defRPr sz="1400"/>
             </a:pPr>
             <a:r>
+              <a:rPr sz="2000" dirty="0"/>
               <a:t>Must match constructor’s signature with functional interface.</a:t>
             </a:r>
           </a:p>
@@ -6046,6 +6063,7 @@
               <a:defRPr sz="1400"/>
             </a:pPr>
             <a:r>
+              <a:rPr sz="2000" dirty="0"/>
               <a:t>Works with default, parameterized, and overloaded constructors.</a:t>
             </a:r>
           </a:p>
@@ -6109,16 +6127,19 @@
         </p:nvSpPr>
         <p:spPr/>
         <p:txBody>
-          <a:bodyPr/>
-          <a:lstStyle/>
-          <a:p>
-            <a:endParaRPr/>
+          <a:bodyPr>
+            <a:normAutofit/>
+          </a:bodyPr>
+          <a:lstStyle/>
+          <a:p>
+            <a:endParaRPr sz="3200" dirty="0"/>
           </a:p>
           <a:p>
             <a:pPr>
               <a:defRPr sz="1400"/>
             </a:pPr>
             <a:r>
+              <a:rPr sz="1800" dirty="0"/>
               <a:t>Before Java 8: used 'new' inside lambdas or directly.</a:t>
             </a:r>
           </a:p>
@@ -6127,6 +6148,7 @@
               <a:defRPr sz="1400"/>
             </a:pPr>
             <a:r>
+              <a:rPr sz="1800" dirty="0"/>
               <a:t>Java 8+: Constructor references improve functional style.</a:t>
             </a:r>
           </a:p>
@@ -6135,6 +6157,7 @@
               <a:defRPr sz="1400"/>
             </a:pPr>
             <a:r>
+              <a:rPr sz="1800" dirty="0"/>
               <a:t>Cleaner, more readable, and integrates with Streams API.</a:t>
             </a:r>
           </a:p>
@@ -6201,13 +6224,14 @@
           <a:bodyPr/>
           <a:lstStyle/>
           <a:p>
-            <a:endParaRPr/>
+            <a:endParaRPr dirty="0"/>
           </a:p>
           <a:p>
             <a:pPr>
               <a:defRPr sz="1400"/>
             </a:pPr>
             <a:r>
+              <a:rPr sz="2000" dirty="0"/>
               <a:t>Constructor Reference: A shorthand to refer to a class's constructor.</a:t>
             </a:r>
           </a:p>
@@ -6216,6 +6240,7 @@
               <a:defRPr sz="1400"/>
             </a:pPr>
             <a:r>
+              <a:rPr sz="2000" dirty="0"/>
               <a:t>Introduced in Java 8 as part of Method References.</a:t>
             </a:r>
           </a:p>
@@ -6224,7 +6249,16 @@
               <a:defRPr sz="1400"/>
             </a:pPr>
             <a:r>
-              <a:t>Syntax: ClassName::new</a:t>
+              <a:rPr sz="2000" dirty="0"/>
+              <a:t>Syntax: </a:t>
+            </a:r>
+            <a:r>
+              <a:rPr sz="2000" dirty="0" err="1"/>
+              <a:t>ClassName</a:t>
+            </a:r>
+            <a:r>
+              <a:rPr sz="2000" dirty="0"/>
+              <a:t>::new</a:t>
             </a:r>
           </a:p>
         </p:txBody>
@@ -6289,16 +6323,19 @@
         </p:nvSpPr>
         <p:spPr/>
         <p:txBody>
-          <a:bodyPr/>
-          <a:lstStyle/>
-          <a:p>
-            <a:endParaRPr/>
+          <a:bodyPr>
+            <a:normAutofit/>
+          </a:bodyPr>
+          <a:lstStyle/>
+          <a:p>
+            <a:endParaRPr sz="3600" dirty="0"/>
           </a:p>
           <a:p>
             <a:pPr>
               <a:defRPr sz="1400"/>
             </a:pPr>
             <a:r>
+              <a:rPr sz="2000" dirty="0"/>
               <a:t>Cleaner syntax than full lambda expressions.</a:t>
             </a:r>
           </a:p>
@@ -6307,6 +6344,7 @@
               <a:defRPr sz="1400"/>
             </a:pPr>
             <a:r>
+              <a:rPr sz="2000" dirty="0"/>
               <a:t>Improves readability when instantiating objects.</a:t>
             </a:r>
           </a:p>
@@ -6315,7 +6353,16 @@
               <a:defRPr sz="1400"/>
             </a:pPr>
             <a:r>
-              <a:t>Works with functional interfaces like Supplier, Function, BiFunction.</a:t>
+              <a:rPr sz="2000" dirty="0"/>
+              <a:t>Works with functional interfaces like Supplier, Function, </a:t>
+            </a:r>
+            <a:r>
+              <a:rPr sz="2000" dirty="0" err="1"/>
+              <a:t>BiFunction</a:t>
+            </a:r>
+            <a:r>
+              <a:rPr sz="2000" dirty="0"/>
+              <a:t>.</a:t>
             </a:r>
           </a:p>
         </p:txBody>
@@ -6378,17 +6425,24 @@
         </p:nvSpPr>
         <p:spPr/>
         <p:txBody>
-          <a:bodyPr/>
-          <a:lstStyle/>
-          <a:p>
-            <a:endParaRPr/>
+          <a:bodyPr>
+            <a:normAutofit/>
+          </a:bodyPr>
+          <a:lstStyle/>
+          <a:p>
+            <a:endParaRPr sz="3600" dirty="0"/>
           </a:p>
           <a:p>
             <a:pPr>
               <a:defRPr sz="1400"/>
             </a:pPr>
             <a:r>
-              <a:t>ClassName::new</a:t>
+              <a:rPr sz="2000" dirty="0" err="1"/>
+              <a:t>ClassName</a:t>
+            </a:r>
+            <a:r>
+              <a:rPr sz="2000" dirty="0"/>
+              <a:t>::new</a:t>
             </a:r>
           </a:p>
           <a:p>
@@ -6396,6 +6450,7 @@
               <a:defRPr sz="1400"/>
             </a:pPr>
             <a:r>
+              <a:rPr sz="2000" dirty="0"/>
               <a:t>Without parameters → default constructor.</a:t>
             </a:r>
           </a:p>
@@ -6404,6 +6459,7 @@
               <a:defRPr sz="1400"/>
             </a:pPr>
             <a:r>
+              <a:rPr sz="2000" dirty="0"/>
               <a:t>With parameters → matches functional interface with arguments.</a:t>
             </a:r>
           </a:p>
@@ -6469,17 +6525,36 @@
         </p:nvSpPr>
         <p:spPr/>
         <p:txBody>
-          <a:bodyPr/>
-          <a:lstStyle/>
-          <a:p>
-            <a:endParaRPr/>
+          <a:bodyPr>
+            <a:normAutofit/>
+          </a:bodyPr>
+          <a:lstStyle/>
+          <a:p>
+            <a:endParaRPr sz="3600" dirty="0"/>
           </a:p>
           <a:p>
             <a:pPr>
               <a:defRPr sz="1400"/>
             </a:pPr>
             <a:r>
-              <a:t>Supplier&lt;List&lt;String&gt;&gt; listSupplier = () -&gt; new ArrayList&lt;&gt;();</a:t>
+              <a:rPr sz="2000" dirty="0"/>
+              <a:t>Supplier&lt;List&lt;String&gt;&gt; </a:t>
+            </a:r>
+            <a:r>
+              <a:rPr sz="2000" dirty="0" err="1"/>
+              <a:t>listSupplier</a:t>
+            </a:r>
+            <a:r>
+              <a:rPr sz="2000" dirty="0"/>
+              <a:t> = () -&gt; new </a:t>
+            </a:r>
+            <a:r>
+              <a:rPr sz="2000" dirty="0" err="1"/>
+              <a:t>ArrayList</a:t>
+            </a:r>
+            <a:r>
+              <a:rPr sz="2000" dirty="0"/>
+              <a:t>&lt;&gt;();</a:t>
             </a:r>
           </a:p>
           <a:p>
@@ -6487,7 +6562,16 @@
               <a:defRPr sz="1400"/>
             </a:pPr>
             <a:r>
-              <a:t>List&lt;String&gt; list = listSupplier.get();</a:t>
+              <a:rPr sz="2000" dirty="0"/>
+              <a:t>List&lt;String&gt; list = </a:t>
+            </a:r>
+            <a:r>
+              <a:rPr sz="2000" dirty="0" err="1"/>
+              <a:t>listSupplier.get</a:t>
+            </a:r>
+            <a:r>
+              <a:rPr sz="2000" dirty="0"/>
+              <a:t>();</a:t>
             </a:r>
           </a:p>
         </p:txBody>
@@ -6552,17 +6636,36 @@
         </p:nvSpPr>
         <p:spPr/>
         <p:txBody>
-          <a:bodyPr/>
-          <a:lstStyle/>
-          <a:p>
-            <a:endParaRPr/>
+          <a:bodyPr>
+            <a:normAutofit/>
+          </a:bodyPr>
+          <a:lstStyle/>
+          <a:p>
+            <a:endParaRPr sz="3600" dirty="0"/>
           </a:p>
           <a:p>
             <a:pPr>
               <a:defRPr sz="1400"/>
             </a:pPr>
             <a:r>
-              <a:t>Supplier&lt;List&lt;String&gt;&gt; listSupplier = ArrayList::new;</a:t>
+              <a:rPr sz="2000" dirty="0"/>
+              <a:t>Supplier&lt;List&lt;String&gt;&gt; </a:t>
+            </a:r>
+            <a:r>
+              <a:rPr sz="2000" dirty="0" err="1"/>
+              <a:t>listSupplier</a:t>
+            </a:r>
+            <a:r>
+              <a:rPr sz="2000" dirty="0"/>
+              <a:t> = </a:t>
+            </a:r>
+            <a:r>
+              <a:rPr sz="2000" dirty="0" err="1"/>
+              <a:t>ArrayList</a:t>
+            </a:r>
+            <a:r>
+              <a:rPr sz="2000" dirty="0"/>
+              <a:t>::new;</a:t>
             </a:r>
           </a:p>
           <a:p>
@@ -6570,7 +6673,16 @@
               <a:defRPr sz="1400"/>
             </a:pPr>
             <a:r>
-              <a:t>List&lt;String&gt; list = listSupplier.get();</a:t>
+              <a:rPr sz="2000" dirty="0"/>
+              <a:t>List&lt;String&gt; list = </a:t>
+            </a:r>
+            <a:r>
+              <a:rPr sz="2000" dirty="0" err="1"/>
+              <a:t>listSupplier.get</a:t>
+            </a:r>
+            <a:r>
+              <a:rPr sz="2000" dirty="0"/>
+              <a:t>();</a:t>
             </a:r>
           </a:p>
         </p:txBody>
@@ -6633,17 +6745,28 @@
         </p:nvSpPr>
         <p:spPr/>
         <p:txBody>
-          <a:bodyPr/>
-          <a:lstStyle/>
-          <a:p>
-            <a:endParaRPr/>
+          <a:bodyPr>
+            <a:normAutofit/>
+          </a:bodyPr>
+          <a:lstStyle/>
+          <a:p>
+            <a:endParaRPr sz="3600" dirty="0"/>
           </a:p>
           <a:p>
             <a:pPr>
               <a:defRPr sz="1400"/>
             </a:pPr>
             <a:r>
-              <a:t>Function&lt;String, Integer&gt; stringToInteger = Integer::new;</a:t>
+              <a:rPr sz="2000" dirty="0"/>
+              <a:t>Function&lt;String, Integer&gt; </a:t>
+            </a:r>
+            <a:r>
+              <a:rPr sz="2000" dirty="0" err="1"/>
+              <a:t>stringToInteger</a:t>
+            </a:r>
+            <a:r>
+              <a:rPr sz="2000" dirty="0"/>
+              <a:t> = Integer::new;</a:t>
             </a:r>
           </a:p>
           <a:p>
@@ -6651,7 +6774,16 @@
               <a:defRPr sz="1400"/>
             </a:pPr>
             <a:r>
-              <a:t>Integer num = stringToInteger.apply("42");</a:t>
+              <a:rPr sz="2000" dirty="0"/>
+              <a:t>Integer num = </a:t>
+            </a:r>
+            <a:r>
+              <a:rPr sz="2000" dirty="0" err="1"/>
+              <a:t>stringToInteger.apply</a:t>
+            </a:r>
+            <a:r>
+              <a:rPr sz="2000" dirty="0"/>
+              <a:t>("42");</a:t>
             </a:r>
           </a:p>
           <a:p>
@@ -6659,7 +6791,16 @@
               <a:defRPr sz="1400"/>
             </a:pPr>
             <a:r>
-              <a:t>Function&lt;String, Person&gt; personCreator = Person::new;</a:t>
+              <a:rPr sz="2000" dirty="0"/>
+              <a:t>Function&lt;String, Person&gt; </a:t>
+            </a:r>
+            <a:r>
+              <a:rPr sz="2000" dirty="0" err="1"/>
+              <a:t>personCreator</a:t>
+            </a:r>
+            <a:r>
+              <a:rPr sz="2000" dirty="0"/>
+              <a:t> = Person::new;</a:t>
             </a:r>
           </a:p>
         </p:txBody>
@@ -6724,17 +6865,28 @@
         </p:nvSpPr>
         <p:spPr/>
         <p:txBody>
-          <a:bodyPr/>
-          <a:lstStyle/>
-          <a:p>
-            <a:endParaRPr/>
+          <a:bodyPr>
+            <a:normAutofit/>
+          </a:bodyPr>
+          <a:lstStyle/>
+          <a:p>
+            <a:endParaRPr sz="3600" dirty="0"/>
           </a:p>
           <a:p>
             <a:pPr>
               <a:defRPr sz="1400"/>
             </a:pPr>
             <a:r>
-              <a:t>Supplier&lt;T&gt;: Supplier&lt;Car&gt; carSupplier = Car::new;</a:t>
+              <a:rPr sz="2000" dirty="0"/>
+              <a:t>Supplier&lt;T&gt;: Supplier&lt;Car&gt; </a:t>
+            </a:r>
+            <a:r>
+              <a:rPr sz="2000" dirty="0" err="1"/>
+              <a:t>carSupplier</a:t>
+            </a:r>
+            <a:r>
+              <a:rPr sz="2000" dirty="0"/>
+              <a:t> = Car::new;</a:t>
             </a:r>
           </a:p>
           <a:p>
@@ -6742,7 +6894,16 @@
               <a:defRPr sz="1400"/>
             </a:pPr>
             <a:r>
-              <a:t>Function&lt;A, T&gt;: Function&lt;String, Car&gt; carFunction = Car::new;</a:t>
+              <a:rPr sz="2000" dirty="0"/>
+              <a:t>Function&lt;A, T&gt;: Function&lt;String, Car&gt; </a:t>
+            </a:r>
+            <a:r>
+              <a:rPr sz="2000" dirty="0" err="1"/>
+              <a:t>carFunction</a:t>
+            </a:r>
+            <a:r>
+              <a:rPr sz="2000" dirty="0"/>
+              <a:t> = Car::new;</a:t>
             </a:r>
           </a:p>
           <a:p>
@@ -6750,7 +6911,28 @@
               <a:defRPr sz="1400"/>
             </a:pPr>
             <a:r>
-              <a:t>BiFunction&lt;A, B, T&gt;: BiFunction&lt;String, Integer, Car&gt; carFunction = Car::new;</a:t>
+              <a:rPr sz="2000" dirty="0" err="1"/>
+              <a:t>BiFunction</a:t>
+            </a:r>
+            <a:r>
+              <a:rPr sz="2000" dirty="0"/>
+              <a:t>&lt;A, B, T&gt;: </a:t>
+            </a:r>
+            <a:r>
+              <a:rPr sz="2000" dirty="0" err="1"/>
+              <a:t>BiFunction</a:t>
+            </a:r>
+            <a:r>
+              <a:rPr sz="2000" dirty="0"/>
+              <a:t>&lt;String, Integer, Car&gt; </a:t>
+            </a:r>
+            <a:r>
+              <a:rPr sz="2000" dirty="0" err="1"/>
+              <a:t>carFunction</a:t>
+            </a:r>
+            <a:r>
+              <a:rPr sz="2000" dirty="0"/>
+              <a:t> = Car::new;</a:t>
             </a:r>
           </a:p>
         </p:txBody>
@@ -6813,16 +6995,19 @@
         </p:nvSpPr>
         <p:spPr/>
         <p:txBody>
-          <a:bodyPr/>
-          <a:lstStyle/>
-          <a:p>
-            <a:endParaRPr/>
+          <a:bodyPr>
+            <a:normAutofit/>
+          </a:bodyPr>
+          <a:lstStyle/>
+          <a:p>
+            <a:endParaRPr sz="3600" dirty="0"/>
           </a:p>
           <a:p>
             <a:pPr>
               <a:defRPr sz="1400"/>
             </a:pPr>
             <a:r>
+              <a:rPr sz="2000" dirty="0"/>
               <a:t>When creating factories.</a:t>
             </a:r>
           </a:p>
@@ -6831,7 +7016,24 @@
               <a:defRPr sz="1400"/>
             </a:pPr>
             <a:r>
-              <a:t>With streams and map(): names.stream().map(Person::new).toList();</a:t>
+              <a:rPr sz="2000" dirty="0"/>
+              <a:t>With streams and map(): </a:t>
+            </a:r>
+            <a:r>
+              <a:rPr sz="2000" dirty="0" err="1"/>
+              <a:t>names.stream</a:t>
+            </a:r>
+            <a:r>
+              <a:rPr sz="2000" dirty="0"/>
+              <a:t>().map(Person::new).</a:t>
+            </a:r>
+            <a:r>
+              <a:rPr sz="2000" dirty="0" err="1"/>
+              <a:t>toList</a:t>
+            </a:r>
+            <a:r>
+              <a:rPr sz="2000" dirty="0"/>
+              <a:t>();</a:t>
             </a:r>
           </a:p>
           <a:p>
@@ -6839,6 +7041,7 @@
               <a:defRPr sz="1400"/>
             </a:pPr>
             <a:r>
+              <a:rPr sz="2000" dirty="0"/>
               <a:t>When writing readable functional-style code.</a:t>
             </a:r>
           </a:p>
